--- a/IAP-CSharp-Lecture-4.pptx
+++ b/IAP-CSharp-Lecture-4.pptx
@@ -338,7 +338,7 @@
           <a:p>
             <a:fld id="{DA274E66-3C54-4BD9-BE9D-FBB596F10639}" type="datetimeFigureOut">
               <a:rPr lang="en-US" smtClean="0"/>
-              <a:t>1/17/2011</a:t>
+              <a:t>1/18/2011</a:t>
             </a:fld>
             <a:endParaRPr lang="en-US"/>
           </a:p>
@@ -508,7 +508,7 @@
           <a:p>
             <a:fld id="{DA274E66-3C54-4BD9-BE9D-FBB596F10639}" type="datetimeFigureOut">
               <a:rPr lang="en-US" smtClean="0"/>
-              <a:t>1/17/2011</a:t>
+              <a:t>1/18/2011</a:t>
             </a:fld>
             <a:endParaRPr lang="en-US"/>
           </a:p>
@@ -688,7 +688,7 @@
           <a:p>
             <a:fld id="{DA274E66-3C54-4BD9-BE9D-FBB596F10639}" type="datetimeFigureOut">
               <a:rPr lang="en-US" smtClean="0"/>
-              <a:t>1/17/2011</a:t>
+              <a:t>1/18/2011</a:t>
             </a:fld>
             <a:endParaRPr lang="en-US"/>
           </a:p>
@@ -858,7 +858,7 @@
           <a:p>
             <a:fld id="{DA274E66-3C54-4BD9-BE9D-FBB596F10639}" type="datetimeFigureOut">
               <a:rPr lang="en-US" smtClean="0"/>
-              <a:t>1/17/2011</a:t>
+              <a:t>1/18/2011</a:t>
             </a:fld>
             <a:endParaRPr lang="en-US"/>
           </a:p>
@@ -1104,7 +1104,7 @@
           <a:p>
             <a:fld id="{DA274E66-3C54-4BD9-BE9D-FBB596F10639}" type="datetimeFigureOut">
               <a:rPr lang="en-US" smtClean="0"/>
-              <a:t>1/17/2011</a:t>
+              <a:t>1/18/2011</a:t>
             </a:fld>
             <a:endParaRPr lang="en-US"/>
           </a:p>
@@ -1392,7 +1392,7 @@
           <a:p>
             <a:fld id="{DA274E66-3C54-4BD9-BE9D-FBB596F10639}" type="datetimeFigureOut">
               <a:rPr lang="en-US" smtClean="0"/>
-              <a:t>1/17/2011</a:t>
+              <a:t>1/18/2011</a:t>
             </a:fld>
             <a:endParaRPr lang="en-US"/>
           </a:p>
@@ -1814,7 +1814,7 @@
           <a:p>
             <a:fld id="{DA274E66-3C54-4BD9-BE9D-FBB596F10639}" type="datetimeFigureOut">
               <a:rPr lang="en-US" smtClean="0"/>
-              <a:t>1/17/2011</a:t>
+              <a:t>1/18/2011</a:t>
             </a:fld>
             <a:endParaRPr lang="en-US"/>
           </a:p>
@@ -1932,7 +1932,7 @@
           <a:p>
             <a:fld id="{DA274E66-3C54-4BD9-BE9D-FBB596F10639}" type="datetimeFigureOut">
               <a:rPr lang="en-US" smtClean="0"/>
-              <a:t>1/17/2011</a:t>
+              <a:t>1/18/2011</a:t>
             </a:fld>
             <a:endParaRPr lang="en-US"/>
           </a:p>
@@ -2027,7 +2027,7 @@
           <a:p>
             <a:fld id="{DA274E66-3C54-4BD9-BE9D-FBB596F10639}" type="datetimeFigureOut">
               <a:rPr lang="en-US" smtClean="0"/>
-              <a:t>1/17/2011</a:t>
+              <a:t>1/18/2011</a:t>
             </a:fld>
             <a:endParaRPr lang="en-US"/>
           </a:p>
@@ -2304,7 +2304,7 @@
           <a:p>
             <a:fld id="{DA274E66-3C54-4BD9-BE9D-FBB596F10639}" type="datetimeFigureOut">
               <a:rPr lang="en-US" smtClean="0"/>
-              <a:t>1/17/2011</a:t>
+              <a:t>1/18/2011</a:t>
             </a:fld>
             <a:endParaRPr lang="en-US"/>
           </a:p>
@@ -2557,7 +2557,7 @@
           <a:p>
             <a:fld id="{DA274E66-3C54-4BD9-BE9D-FBB596F10639}" type="datetimeFigureOut">
               <a:rPr lang="en-US" smtClean="0"/>
-              <a:t>1/17/2011</a:t>
+              <a:t>1/18/2011</a:t>
             </a:fld>
             <a:endParaRPr lang="en-US"/>
           </a:p>
@@ -2770,7 +2770,7 @@
           <a:p>
             <a:fld id="{DA274E66-3C54-4BD9-BE9D-FBB596F10639}" type="datetimeFigureOut">
               <a:rPr lang="en-US" smtClean="0"/>
-              <a:t>1/17/2011</a:t>
+              <a:t>1/18/2011</a:t>
             </a:fld>
             <a:endParaRPr lang="en-US"/>
           </a:p>
@@ -3177,20 +3177,12 @@
               <a:rPr lang="en-US" dirty="0" smtClean="0"/>
               <a:t> Syntax, then start</a:t>
             </a:r>
-            <a:r>
-              <a:rPr lang="en-US" dirty="0" smtClean="0"/>
-              <a:t/>
-            </a:r>
             <a:br>
               <a:rPr lang="en-US" dirty="0" smtClean="0"/>
             </a:br>
             <a:r>
               <a:rPr lang="en-US" dirty="0" smtClean="0"/>
-              <a:t>Windows </a:t>
-            </a:r>
-            <a:r>
-              <a:rPr lang="en-US" dirty="0" smtClean="0"/>
-              <a:t>Presentation Foundation</a:t>
+              <a:t>Windows Presentation Foundation</a:t>
             </a:r>
             <a:endParaRPr lang="en-US" dirty="0"/>
           </a:p>
@@ -38791,20 +38783,43 @@
         </p:nvSpPr>
         <p:spPr>
           <a:xfrm>
-            <a:off x="3962400" y="0"/>
-            <a:ext cx="5414682" cy="914400"/>
+            <a:off x="4953000" y="0"/>
+            <a:ext cx="4195482" cy="1600200"/>
           </a:xfrm>
         </p:spPr>
         <p:txBody>
           <a:bodyPr>
-            <a:normAutofit fontScale="92500" lnSpcReduction="10000"/>
+            <a:normAutofit fontScale="85000" lnSpcReduction="10000"/>
           </a:bodyPr>
           <a:lstStyle/>
           <a:p>
             <a:r>
               <a:rPr lang="en-US" dirty="0" smtClean="0"/>
-              <a:t>Can handle all Exception is a single catch block</a:t>
-            </a:r>
+              <a:t>Can handle all </a:t>
+            </a:r>
+            <a:r>
+              <a:rPr lang="en-US" dirty="0" smtClean="0"/>
+              <a:t>exceptions in a </a:t>
+            </a:r>
+            <a:r>
+              <a:rPr lang="en-US" dirty="0" smtClean="0"/>
+              <a:t>single catch </a:t>
+            </a:r>
+            <a:r>
+              <a:rPr lang="en-US" dirty="0" smtClean="0"/>
+              <a:t>block</a:t>
+            </a:r>
+          </a:p>
+          <a:p>
+            <a:pPr lvl="1"/>
+            <a:r>
+              <a:rPr lang="en-US" dirty="0" smtClean="0"/>
+              <a:t>All exceptions subclass Exception</a:t>
+            </a:r>
+          </a:p>
+          <a:p>
+            <a:pPr lvl="1"/>
+            <a:endParaRPr lang="en-US" dirty="0" smtClean="0"/>
           </a:p>
         </p:txBody>
       </p:sp>
@@ -39735,20 +39750,25 @@
         </p:nvSpPr>
         <p:spPr>
           <a:xfrm>
-            <a:off x="3962400" y="0"/>
-            <a:ext cx="5414682" cy="914400"/>
+            <a:off x="4724400" y="0"/>
+            <a:ext cx="4424082" cy="1524000"/>
           </a:xfrm>
         </p:spPr>
         <p:txBody>
           <a:bodyPr>
-            <a:normAutofit fontScale="92500" lnSpcReduction="10000"/>
+            <a:normAutofit/>
           </a:bodyPr>
           <a:lstStyle/>
           <a:p>
             <a:r>
               <a:rPr lang="en-US" dirty="0" smtClean="0"/>
-              <a:t>Or, handle each type of exception individually</a:t>
-            </a:r>
+              <a:t>Or, handle each type of exception </a:t>
+            </a:r>
+            <a:r>
+              <a:rPr lang="en-US" dirty="0" smtClean="0"/>
+              <a:t>individually</a:t>
+            </a:r>
+            <a:endParaRPr lang="en-US" dirty="0" smtClean="0"/>
           </a:p>
         </p:txBody>
       </p:sp>

--- a/IAP-CSharp-Lecture-4.pptx
+++ b/IAP-CSharp-Lecture-4.pptx
@@ -3401,6 +3401,13 @@
   <p:clrMapOvr>
     <a:masterClrMapping/>
   </p:clrMapOvr>
+  <p:timing>
+    <p:tnLst>
+      <p:par>
+        <p:cTn id="1" dur="indefinite" restart="never" nodeType="tmRoot"/>
+      </p:par>
+    </p:tnLst>
+  </p:timing>
 </p:sld>
 </file>
 
@@ -3870,6 +3877,13 @@
   <p:clrMapOvr>
     <a:masterClrMapping/>
   </p:clrMapOvr>
+  <p:timing>
+    <p:tnLst>
+      <p:par>
+        <p:cTn id="1" dur="indefinite" restart="never" nodeType="tmRoot"/>
+      </p:par>
+    </p:tnLst>
+  </p:timing>
 </p:sld>
 </file>
 
@@ -4611,6 +4625,13 @@
   <p:clrMapOvr>
     <a:masterClrMapping/>
   </p:clrMapOvr>
+  <p:timing>
+    <p:tnLst>
+      <p:par>
+        <p:cTn id="1" dur="indefinite" restart="never" nodeType="tmRoot"/>
+      </p:par>
+    </p:tnLst>
+  </p:timing>
 </p:sld>
 </file>
 
@@ -5416,6 +5437,13 @@
   <p:clrMapOvr>
     <a:masterClrMapping/>
   </p:clrMapOvr>
+  <p:timing>
+    <p:tnLst>
+      <p:par>
+        <p:cTn id="1" dur="indefinite" restart="never" nodeType="tmRoot"/>
+      </p:par>
+    </p:tnLst>
+  </p:timing>
 </p:sld>
 </file>
 
@@ -5940,6 +5968,13 @@
   <p:clrMapOvr>
     <a:masterClrMapping/>
   </p:clrMapOvr>
+  <p:timing>
+    <p:tnLst>
+      <p:par>
+        <p:cTn id="1" dur="indefinite" restart="never" nodeType="tmRoot"/>
+      </p:par>
+    </p:tnLst>
+  </p:timing>
 </p:sld>
 </file>
 
@@ -6569,6 +6604,13 @@
   <p:clrMapOvr>
     <a:masterClrMapping/>
   </p:clrMapOvr>
+  <p:timing>
+    <p:tnLst>
+      <p:par>
+        <p:cTn id="1" dur="indefinite" restart="never" nodeType="tmRoot"/>
+      </p:par>
+    </p:tnLst>
+  </p:timing>
 </p:sld>
 </file>
 
@@ -7028,6 +7070,13 @@
   <p:clrMapOvr>
     <a:masterClrMapping/>
   </p:clrMapOvr>
+  <p:timing>
+    <p:tnLst>
+      <p:par>
+        <p:cTn id="1" dur="indefinite" restart="never" nodeType="tmRoot"/>
+      </p:par>
+    </p:tnLst>
+  </p:timing>
 </p:sld>
 </file>
 
@@ -7540,6 +7589,13 @@
   <p:clrMapOvr>
     <a:masterClrMapping/>
   </p:clrMapOvr>
+  <p:timing>
+    <p:tnLst>
+      <p:par>
+        <p:cTn id="1" dur="indefinite" restart="never" nodeType="tmRoot"/>
+      </p:par>
+    </p:tnLst>
+  </p:timing>
 </p:sld>
 </file>
 
@@ -8139,6 +8195,13 @@
   <p:clrMapOvr>
     <a:masterClrMapping/>
   </p:clrMapOvr>
+  <p:timing>
+    <p:tnLst>
+      <p:par>
+        <p:cTn id="1" dur="indefinite" restart="never" nodeType="tmRoot"/>
+      </p:par>
+    </p:tnLst>
+  </p:timing>
 </p:sld>
 </file>
 
@@ -8752,6 +8815,13 @@
   <p:clrMapOvr>
     <a:masterClrMapping/>
   </p:clrMapOvr>
+  <p:timing>
+    <p:tnLst>
+      <p:par>
+        <p:cTn id="1" dur="indefinite" restart="never" nodeType="tmRoot"/>
+      </p:par>
+    </p:tnLst>
+  </p:timing>
 </p:sld>
 </file>
 
@@ -10081,6 +10151,13 @@
   <p:clrMapOvr>
     <a:masterClrMapping/>
   </p:clrMapOvr>
+  <p:timing>
+    <p:tnLst>
+      <p:par>
+        <p:cTn id="1" dur="indefinite" restart="never" nodeType="tmRoot"/>
+      </p:par>
+    </p:tnLst>
+  </p:timing>
 </p:sld>
 </file>
 
@@ -10691,6 +10768,13 @@
   <p:clrMapOvr>
     <a:masterClrMapping/>
   </p:clrMapOvr>
+  <p:timing>
+    <p:tnLst>
+      <p:par>
+        <p:cTn id="1" dur="indefinite" restart="never" nodeType="tmRoot"/>
+      </p:par>
+    </p:tnLst>
+  </p:timing>
 </p:sld>
 </file>
 
@@ -11288,6 +11372,13 @@
   <p:clrMapOvr>
     <a:masterClrMapping/>
   </p:clrMapOvr>
+  <p:timing>
+    <p:tnLst>
+      <p:par>
+        <p:cTn id="1" dur="indefinite" restart="never" nodeType="tmRoot"/>
+      </p:par>
+    </p:tnLst>
+  </p:timing>
 </p:sld>
 </file>
 
@@ -11831,6 +11922,13 @@
   <p:clrMapOvr>
     <a:masterClrMapping/>
   </p:clrMapOvr>
+  <p:timing>
+    <p:tnLst>
+      <p:par>
+        <p:cTn id="1" dur="indefinite" restart="never" nodeType="tmRoot"/>
+      </p:par>
+    </p:tnLst>
+  </p:timing>
 </p:sld>
 </file>
 
@@ -11891,9 +11989,109 @@
           <a:p>
             <a:r>
               <a:rPr lang="en-US" dirty="0" smtClean="0"/>
-              <a:t>Consider the following problem: I have a Messenger who needs to send some message to a number of listeners</a:t>
+              <a:t>Consider the following problem: I have a Messenger who needs to send some </a:t>
+            </a:r>
+            <a:r>
+              <a:rPr lang="en-US" dirty="0" smtClean="0"/>
+              <a:t>message (string) to </a:t>
+            </a:r>
+            <a:r>
+              <a:rPr lang="en-US" dirty="0" smtClean="0"/>
+              <a:t>a number of </a:t>
+            </a:r>
+            <a:r>
+              <a:rPr lang="en-US" dirty="0" smtClean="0"/>
+              <a:t>listeners</a:t>
+            </a:r>
+          </a:p>
+          <a:p>
+            <a:r>
+              <a:rPr lang="en-US" dirty="0" smtClean="0"/>
+              <a:t>To represent a listener, use a delegate:</a:t>
+            </a:r>
+            <a:r>
+              <a:rPr lang="en-US" dirty="0" smtClean="0"/>
+              <a:t> Action&lt;string&gt; (has 1 string argument)</a:t>
             </a:r>
             <a:endParaRPr lang="en-US" dirty="0"/>
+          </a:p>
+        </p:txBody>
+      </p:sp>
+      <p:sp>
+        <p:nvSpPr>
+          <p:cNvPr id="4" name="Rectangle 3"/>
+          <p:cNvSpPr/>
+          <p:nvPr/>
+        </p:nvSpPr>
+        <p:spPr>
+          <a:xfrm>
+            <a:off x="2133600" y="4952999"/>
+            <a:ext cx="5160387" cy="430887"/>
+          </a:xfrm>
+          <a:prstGeom prst="rect">
+            <a:avLst/>
+          </a:prstGeom>
+        </p:spPr>
+        <p:txBody>
+          <a:bodyPr wrap="none">
+            <a:spAutoFit/>
+          </a:bodyPr>
+          <a:lstStyle/>
+          <a:p>
+            <a:r>
+              <a:rPr lang="fr-FR" sz="2200" dirty="0" err="1">
+                <a:solidFill>
+                  <a:srgbClr val="0000FF"/>
+                </a:solidFill>
+                <a:latin typeface="Consolas"/>
+              </a:rPr>
+              <a:t>delegate</a:t>
+            </a:r>
+            <a:r>
+              <a:rPr lang="fr-FR" sz="2200" dirty="0">
+                <a:solidFill>
+                  <a:prstClr val="black"/>
+                </a:solidFill>
+                <a:latin typeface="Consolas"/>
+              </a:rPr>
+              <a:t> </a:t>
+            </a:r>
+            <a:r>
+              <a:rPr lang="fr-FR" sz="2200" dirty="0" err="1">
+                <a:solidFill>
+                  <a:srgbClr val="0000FF"/>
+                </a:solidFill>
+                <a:latin typeface="Consolas"/>
+              </a:rPr>
+              <a:t>void</a:t>
+            </a:r>
+            <a:r>
+              <a:rPr lang="fr-FR" sz="2200" dirty="0">
+                <a:solidFill>
+                  <a:prstClr val="black"/>
+                </a:solidFill>
+                <a:latin typeface="Consolas"/>
+              </a:rPr>
+              <a:t> </a:t>
+            </a:r>
+            <a:r>
+              <a:rPr lang="fr-FR" sz="2200" dirty="0">
+                <a:solidFill>
+                  <a:srgbClr val="2B91AF"/>
+                </a:solidFill>
+                <a:latin typeface="Consolas"/>
+              </a:rPr>
+              <a:t>Action</a:t>
+            </a:r>
+            <a:r>
+              <a:rPr lang="fr-FR" sz="2200" dirty="0">
+                <a:solidFill>
+                  <a:prstClr val="black"/>
+                </a:solidFill>
+                <a:latin typeface="Consolas"/>
+              </a:rPr>
+              <a:t>&lt;T&gt;(T arg1);</a:t>
+            </a:r>
           </a:p>
         </p:txBody>
       </p:sp>
@@ -11907,6 +12105,13 @@
   <p:clrMapOvr>
     <a:masterClrMapping/>
   </p:clrMapOvr>
+  <p:timing>
+    <p:tnLst>
+      <p:par>
+        <p:cTn id="1" dur="indefinite" restart="never" nodeType="tmRoot"/>
+      </p:par>
+    </p:tnLst>
+  </p:timing>
 </p:sld>
 </file>
 
@@ -12602,6 +12807,13 @@
   <p:clrMapOvr>
     <a:masterClrMapping/>
   </p:clrMapOvr>
+  <p:timing>
+    <p:tnLst>
+      <p:par>
+        <p:cTn id="1" dur="indefinite" restart="never" nodeType="tmRoot"/>
+      </p:par>
+    </p:tnLst>
+  </p:timing>
 </p:sld>
 </file>
 
@@ -13779,6 +13991,13 @@
   <p:clrMapOvr>
     <a:masterClrMapping/>
   </p:clrMapOvr>
+  <p:timing>
+    <p:tnLst>
+      <p:par>
+        <p:cTn id="1" dur="indefinite" restart="never" nodeType="tmRoot"/>
+      </p:par>
+    </p:tnLst>
+  </p:timing>
 </p:sld>
 </file>
 
@@ -14360,6 +14579,13 @@
   <p:clrMapOvr>
     <a:masterClrMapping/>
   </p:clrMapOvr>
+  <p:timing>
+    <p:tnLst>
+      <p:par>
+        <p:cTn id="1" dur="indefinite" restart="never" nodeType="tmRoot"/>
+      </p:par>
+    </p:tnLst>
+  </p:timing>
 </p:sld>
 </file>
 
@@ -23749,6 +23975,13 @@
   <p:clrMapOvr>
     <a:masterClrMapping/>
   </p:clrMapOvr>
+  <p:timing>
+    <p:tnLst>
+      <p:par>
+        <p:cTn id="1" dur="indefinite" restart="never" nodeType="tmRoot"/>
+      </p:par>
+    </p:tnLst>
+  </p:timing>
 </p:sld>
 </file>
 
@@ -34786,6 +35019,13 @@
   <p:clrMapOvr>
     <a:masterClrMapping/>
   </p:clrMapOvr>
+  <p:timing>
+    <p:tnLst>
+      <p:par>
+        <p:cTn id="1" dur="indefinite" restart="never" nodeType="tmRoot"/>
+      </p:par>
+    </p:tnLst>
+  </p:timing>
 </p:sld>
 </file>
 
@@ -37959,6 +38199,13 @@
   <p:clrMapOvr>
     <a:masterClrMapping/>
   </p:clrMapOvr>
+  <p:timing>
+    <p:tnLst>
+      <p:par>
+        <p:cTn id="1" dur="indefinite" restart="never" nodeType="tmRoot"/>
+      </p:par>
+    </p:tnLst>
+  </p:timing>
 </p:sld>
 </file>
 
@@ -38833,6 +39080,13 @@
   <p:clrMapOvr>
     <a:masterClrMapping/>
   </p:clrMapOvr>
+  <p:timing>
+    <p:tnLst>
+      <p:par>
+        <p:cTn id="1" dur="indefinite" restart="never" nodeType="tmRoot"/>
+      </p:par>
+    </p:tnLst>
+  </p:timing>
 </p:sld>
 </file>
 
@@ -39782,6 +40036,13 @@
   <p:clrMapOvr>
     <a:masterClrMapping/>
   </p:clrMapOvr>
+  <p:timing>
+    <p:tnLst>
+      <p:par>
+        <p:cTn id="1" dur="indefinite" restart="never" nodeType="tmRoot"/>
+      </p:par>
+    </p:tnLst>
+  </p:timing>
 </p:sld>
 </file>
 
@@ -40383,6 +40644,13 @@
   <p:clrMapOvr>
     <a:masterClrMapping/>
   </p:clrMapOvr>
+  <p:timing>
+    <p:tnLst>
+      <p:par>
+        <p:cTn id="1" dur="indefinite" restart="never" nodeType="tmRoot"/>
+      </p:par>
+    </p:tnLst>
+  </p:timing>
 </p:sld>
 </file>
 

--- a/IAP-CSharp-Lecture-4.pptx
+++ b/IAP-CSharp-Lecture-4.pptx
@@ -12871,7 +12871,7 @@
         <p:spPr>
           <a:xfrm>
             <a:off x="0" y="40005"/>
-            <a:ext cx="9771529" cy="6894195"/>
+            <a:ext cx="9771529" cy="6370975"/>
           </a:xfrm>
           <a:prstGeom prst="rect">
             <a:avLst/>
@@ -13823,19 +13823,23 @@
                 </a:solidFill>
                 <a:latin typeface="Consolas"/>
               </a:rPr>
-              <a:t>((s) =&gt;</a:t>
-            </a:r>
-          </a:p>
-          <a:p>
-            <a:r>
-              <a:rPr lang="en-US" sz="1700" dirty="0">
-                <a:solidFill>
-                  <a:prstClr val="black"/>
-                </a:solidFill>
-                <a:latin typeface="Consolas"/>
-              </a:rPr>
-              <a:t>        {</a:t>
-            </a:r>
+              <a:t>((s) </a:t>
+            </a:r>
+            <a:r>
+              <a:rPr lang="en-US" sz="1700" dirty="0" smtClean="0">
+                <a:solidFill>
+                  <a:prstClr val="black"/>
+                </a:solidFill>
+                <a:latin typeface="Consolas"/>
+              </a:rPr>
+              <a:t>=&gt; {</a:t>
+            </a:r>
+            <a:endParaRPr lang="en-US" sz="1700" dirty="0">
+              <a:solidFill>
+                <a:prstClr val="black"/>
+              </a:solidFill>
+              <a:latin typeface="Consolas"/>
+            </a:endParaRPr>
           </a:p>
           <a:p>
             <a:r>
@@ -14499,7 +14503,25 @@
                 </a:solidFill>
                 <a:latin typeface="Consolas"/>
               </a:rPr>
-              <a:t>"Listener2:"</a:t>
+              <a:t>"Listener2</a:t>
+            </a:r>
+            <a:r>
+              <a:rPr lang="en-US" sz="2000" dirty="0" smtClean="0">
+                <a:solidFill>
+                  <a:srgbClr val="A31515"/>
+                </a:solidFill>
+                <a:latin typeface="Consolas"/>
+              </a:rPr>
+              <a:t>:“ </a:t>
+            </a:r>
+            <a:r>
+              <a:rPr lang="en-US" sz="2000" dirty="0" smtClean="0">
+                <a:solidFill>
+                  <a:prstClr val="black"/>
+                </a:solidFill>
+                <a:latin typeface="Consolas"/>
+              </a:rPr>
+              <a:t>+ s</a:t>
             </a:r>
             <a:r>
               <a:rPr lang="en-US" sz="2000" dirty="0">
@@ -14508,7 +14530,7 @@
                 </a:solidFill>
                 <a:latin typeface="Consolas"/>
               </a:rPr>
-              <a:t>+s); };</a:t>
+              <a:t>); };</a:t>
             </a:r>
           </a:p>
           <a:p>

--- a/IAP-CSharp-Lecture-4.pptx
+++ b/IAP-CSharp-Lecture-4.pptx
@@ -8393,7 +8393,7 @@
         <p:spPr>
           <a:xfrm>
             <a:off x="0" y="1225689"/>
-            <a:ext cx="9144000" cy="5262979"/>
+            <a:ext cx="9144000" cy="5632311"/>
           </a:xfrm>
           <a:prstGeom prst="rect">
             <a:avLst/>
@@ -8407,6 +8407,29 @@
           <a:p>
             <a:r>
               <a:rPr lang="en-US" sz="2400" dirty="0">
+                <a:solidFill>
+                  <a:srgbClr val="0000FF"/>
+                </a:solidFill>
+                <a:latin typeface="Consolas"/>
+              </a:rPr>
+              <a:t>using</a:t>
+            </a:r>
+            <a:r>
+              <a:rPr lang="en-US" sz="2400" dirty="0">
+                <a:solidFill>
+                  <a:prstClr val="black"/>
+                </a:solidFill>
+                <a:latin typeface="Consolas"/>
+              </a:rPr>
+              <a:t> System;</a:t>
+            </a:r>
+            <a:endParaRPr lang="en-US" sz="2400" dirty="0" smtClean="0">
+              <a:latin typeface="Consolas"/>
+            </a:endParaRPr>
+          </a:p>
+          <a:p>
+            <a:r>
+              <a:rPr lang="en-US" sz="2400" dirty="0" smtClean="0">
                 <a:latin typeface="Consolas"/>
               </a:rPr>
               <a:t>[</a:t>
@@ -9715,7 +9738,7 @@
         <p:spPr>
           <a:xfrm>
             <a:off x="0" y="1225689"/>
-            <a:ext cx="9906000" cy="5632311"/>
+            <a:ext cx="9906000" cy="6001643"/>
           </a:xfrm>
           <a:prstGeom prst="rect">
             <a:avLst/>
@@ -9729,6 +9752,38 @@
           <a:p>
             <a:r>
               <a:rPr lang="en-US" sz="2400" dirty="0">
+                <a:solidFill>
+                  <a:srgbClr val="0000FF"/>
+                </a:solidFill>
+                <a:latin typeface="Consolas"/>
+              </a:rPr>
+              <a:t>using</a:t>
+            </a:r>
+            <a:r>
+              <a:rPr lang="en-US" sz="2400" dirty="0">
+                <a:solidFill>
+                  <a:prstClr val="black"/>
+                </a:solidFill>
+                <a:latin typeface="Consolas"/>
+              </a:rPr>
+              <a:t> System</a:t>
+            </a:r>
+            <a:r>
+              <a:rPr lang="en-US" sz="2400" dirty="0" smtClean="0">
+                <a:solidFill>
+                  <a:prstClr val="black"/>
+                </a:solidFill>
+                <a:latin typeface="Consolas"/>
+              </a:rPr>
+              <a:t>;</a:t>
+            </a:r>
+            <a:endParaRPr lang="en-US" sz="2400" dirty="0" smtClean="0">
+              <a:latin typeface="Consolas"/>
+            </a:endParaRPr>
+          </a:p>
+          <a:p>
+            <a:r>
+              <a:rPr lang="en-US" sz="2400" dirty="0" smtClean="0">
                 <a:latin typeface="Consolas"/>
               </a:rPr>
               <a:t>[</a:t>
@@ -10335,7 +10390,7 @@
         <p:spPr>
           <a:xfrm>
             <a:off x="0" y="1225689"/>
-            <a:ext cx="9906000" cy="5632311"/>
+            <a:ext cx="9906000" cy="6001643"/>
           </a:xfrm>
           <a:prstGeom prst="rect">
             <a:avLst/>
@@ -10349,6 +10404,38 @@
           <a:p>
             <a:r>
               <a:rPr lang="en-US" sz="2400" dirty="0">
+                <a:solidFill>
+                  <a:srgbClr val="0000FF"/>
+                </a:solidFill>
+                <a:latin typeface="Consolas"/>
+              </a:rPr>
+              <a:t>using</a:t>
+            </a:r>
+            <a:r>
+              <a:rPr lang="en-US" sz="2400" dirty="0">
+                <a:solidFill>
+                  <a:prstClr val="black"/>
+                </a:solidFill>
+                <a:latin typeface="Consolas"/>
+              </a:rPr>
+              <a:t> System</a:t>
+            </a:r>
+            <a:r>
+              <a:rPr lang="en-US" sz="2400" dirty="0" smtClean="0">
+                <a:solidFill>
+                  <a:prstClr val="black"/>
+                </a:solidFill>
+                <a:latin typeface="Consolas"/>
+              </a:rPr>
+              <a:t>;</a:t>
+            </a:r>
+            <a:endParaRPr lang="en-US" sz="2400" dirty="0" smtClean="0">
+              <a:latin typeface="Consolas"/>
+            </a:endParaRPr>
+          </a:p>
+          <a:p>
+            <a:r>
+              <a:rPr lang="en-US" sz="2400" dirty="0" smtClean="0">
                 <a:latin typeface="Consolas"/>
               </a:rPr>
               <a:t>[</a:t>
@@ -10955,7 +11042,7 @@
         <p:spPr>
           <a:xfrm>
             <a:off x="0" y="1225689"/>
-            <a:ext cx="9906000" cy="5632311"/>
+            <a:ext cx="9906000" cy="6001643"/>
           </a:xfrm>
           <a:prstGeom prst="rect">
             <a:avLst/>
@@ -10969,6 +11056,38 @@
           <a:p>
             <a:r>
               <a:rPr lang="en-US" sz="2400" dirty="0">
+                <a:solidFill>
+                  <a:srgbClr val="0000FF"/>
+                </a:solidFill>
+                <a:latin typeface="Consolas"/>
+              </a:rPr>
+              <a:t>using</a:t>
+            </a:r>
+            <a:r>
+              <a:rPr lang="en-US" sz="2400" dirty="0">
+                <a:solidFill>
+                  <a:prstClr val="black"/>
+                </a:solidFill>
+                <a:latin typeface="Consolas"/>
+              </a:rPr>
+              <a:t> System</a:t>
+            </a:r>
+            <a:r>
+              <a:rPr lang="en-US" sz="2400" dirty="0" smtClean="0">
+                <a:solidFill>
+                  <a:prstClr val="black"/>
+                </a:solidFill>
+                <a:latin typeface="Consolas"/>
+              </a:rPr>
+              <a:t>;</a:t>
+            </a:r>
+            <a:endParaRPr lang="en-US" sz="2400" dirty="0" smtClean="0">
+              <a:latin typeface="Consolas"/>
+            </a:endParaRPr>
+          </a:p>
+          <a:p>
+            <a:r>
+              <a:rPr lang="en-US" sz="2400" dirty="0" smtClean="0">
                 <a:latin typeface="Consolas"/>
               </a:rPr>
               <a:t>[</a:t>
@@ -11572,7 +11691,7 @@
         <p:spPr>
           <a:xfrm>
             <a:off x="0" y="1225689"/>
-            <a:ext cx="9906000" cy="5262979"/>
+            <a:ext cx="9906000" cy="5632311"/>
           </a:xfrm>
           <a:prstGeom prst="rect">
             <a:avLst/>
@@ -11585,7 +11704,39 @@
           <a:lstStyle/>
           <a:p>
             <a:r>
-              <a:rPr lang="en-US" sz="2400" b="1" dirty="0">
+              <a:rPr lang="en-US" sz="2400" dirty="0">
+                <a:solidFill>
+                  <a:srgbClr val="0000FF"/>
+                </a:solidFill>
+                <a:latin typeface="Consolas"/>
+              </a:rPr>
+              <a:t>using</a:t>
+            </a:r>
+            <a:r>
+              <a:rPr lang="en-US" sz="2400" dirty="0">
+                <a:solidFill>
+                  <a:prstClr val="black"/>
+                </a:solidFill>
+                <a:latin typeface="Consolas"/>
+              </a:rPr>
+              <a:t> System</a:t>
+            </a:r>
+            <a:r>
+              <a:rPr lang="en-US" sz="2400" dirty="0" smtClean="0">
+                <a:solidFill>
+                  <a:prstClr val="black"/>
+                </a:solidFill>
+                <a:latin typeface="Consolas"/>
+              </a:rPr>
+              <a:t>;</a:t>
+            </a:r>
+            <a:endParaRPr lang="en-US" sz="2400" b="1" dirty="0" smtClean="0">
+              <a:latin typeface="Consolas"/>
+            </a:endParaRPr>
+          </a:p>
+          <a:p>
+            <a:r>
+              <a:rPr lang="en-US" sz="2400" b="1" dirty="0" smtClean="0">
                 <a:latin typeface="Consolas"/>
               </a:rPr>
               <a:t>[</a:t>
@@ -12056,33 +12207,35 @@
           </a:xfrm>
         </p:spPr>
         <p:txBody>
-          <a:bodyPr/>
+          <a:bodyPr>
+            <a:normAutofit/>
+          </a:bodyPr>
           <a:lstStyle/>
           <a:p>
             <a:r>
-              <a:rPr lang="en-US" dirty="0" smtClean="0"/>
+              <a:rPr lang="en-US" sz="2400" dirty="0" smtClean="0"/>
               <a:t>When making a flagged </a:t>
             </a:r>
             <a:r>
-              <a:rPr lang="en-US" dirty="0" err="1" smtClean="0"/>
+              <a:rPr lang="en-US" sz="2400" dirty="0" err="1" smtClean="0"/>
               <a:t>enum</a:t>
             </a:r>
             <a:r>
-              <a:rPr lang="en-US" dirty="0" smtClean="0"/>
+              <a:rPr lang="en-US" sz="2400" dirty="0" smtClean="0"/>
               <a:t>, need [Flags] attribute</a:t>
             </a:r>
           </a:p>
           <a:p>
             <a:pPr lvl="1"/>
             <a:r>
-              <a:rPr lang="en-US" sz="2600" dirty="0" smtClean="0"/>
+              <a:rPr lang="en-US" sz="2400" dirty="0" smtClean="0"/>
               <a:t>Attribute: metadata associated with a type, class, method, </a:t>
             </a:r>
             <a:r>
-              <a:rPr lang="en-US" sz="2600" dirty="0" err="1" smtClean="0"/>
+              <a:rPr lang="en-US" sz="2400" dirty="0" err="1" smtClean="0"/>
               <a:t>etc</a:t>
             </a:r>
-            <a:endParaRPr lang="en-US" sz="2600" dirty="0"/>
+            <a:endParaRPr lang="en-US" sz="2400" dirty="0"/>
           </a:p>
         </p:txBody>
       </p:sp>
@@ -12094,7 +12247,7 @@
         </p:nvSpPr>
         <p:spPr>
           <a:xfrm>
-            <a:off x="1447800" y="1066800"/>
+            <a:off x="1447800" y="1524000"/>
             <a:ext cx="2590800" cy="685800"/>
           </a:xfrm>
           <a:prstGeom prst="leftArrow">
@@ -12176,7 +12329,7 @@
         <p:spPr>
           <a:xfrm>
             <a:off x="0" y="1225689"/>
-            <a:ext cx="9906000" cy="5262979"/>
+            <a:ext cx="9906000" cy="5632311"/>
           </a:xfrm>
           <a:prstGeom prst="rect">
             <a:avLst/>
@@ -12188,16 +12341,51 @@
           </a:bodyPr>
           <a:lstStyle/>
           <a:p>
-            <a:endParaRPr lang="en-US" sz="2400" b="1" dirty="0">
+            <a:r>
+              <a:rPr lang="en-US" sz="2400" dirty="0" smtClean="0">
+                <a:solidFill>
+                  <a:srgbClr val="0000FF"/>
+                </a:solidFill>
+                <a:latin typeface="Consolas"/>
+              </a:rPr>
+              <a:t>using</a:t>
+            </a:r>
+            <a:r>
+              <a:rPr lang="en-US" sz="2400" dirty="0" smtClean="0">
+                <a:solidFill>
+                  <a:prstClr val="black"/>
+                </a:solidFill>
+                <a:latin typeface="Consolas"/>
+              </a:rPr>
+              <a:t> </a:t>
+            </a:r>
+            <a:r>
+              <a:rPr lang="en-US" sz="2400" dirty="0">
+                <a:solidFill>
+                  <a:prstClr val="black"/>
+                </a:solidFill>
+                <a:latin typeface="Consolas"/>
+              </a:rPr>
+              <a:t>System;</a:t>
+            </a:r>
+            <a:endParaRPr lang="en-US" sz="2400" dirty="0" smtClean="0">
               <a:solidFill>
-                <a:prstClr val="black"/>
+                <a:srgbClr val="0000FF"/>
               </a:solidFill>
               <a:latin typeface="Consolas"/>
             </a:endParaRPr>
           </a:p>
           <a:p>
-            <a:r>
-              <a:rPr lang="en-US" sz="2400" dirty="0" err="1">
+            <a:endParaRPr lang="en-US" sz="2400" dirty="0" smtClean="0">
+              <a:solidFill>
+                <a:srgbClr val="0000FF"/>
+              </a:solidFill>
+              <a:latin typeface="Consolas"/>
+            </a:endParaRPr>
+          </a:p>
+          <a:p>
+            <a:r>
+              <a:rPr lang="en-US" sz="2400" dirty="0" err="1" smtClean="0">
                 <a:solidFill>
                   <a:srgbClr val="0000FF"/>
                 </a:solidFill>
@@ -12206,7 +12394,7 @@
               <a:t>enum</a:t>
             </a:r>
             <a:r>
-              <a:rPr lang="en-US" sz="2400" dirty="0">
+              <a:rPr lang="en-US" sz="2400" dirty="0" smtClean="0">
                 <a:solidFill>
                   <a:prstClr val="black"/>
                 </a:solidFill>
@@ -12642,41 +12830,43 @@
           </a:xfrm>
         </p:spPr>
         <p:txBody>
-          <a:bodyPr/>
+          <a:bodyPr>
+            <a:normAutofit/>
+          </a:bodyPr>
           <a:lstStyle/>
           <a:p>
             <a:r>
-              <a:rPr lang="en-US" dirty="0" smtClean="0"/>
+              <a:rPr lang="en-US" sz="2400" dirty="0" smtClean="0"/>
               <a:t>When making a flagged </a:t>
             </a:r>
             <a:r>
-              <a:rPr lang="en-US" dirty="0" err="1" smtClean="0"/>
+              <a:rPr lang="en-US" sz="2400" dirty="0" err="1" smtClean="0"/>
               <a:t>enum</a:t>
             </a:r>
             <a:r>
-              <a:rPr lang="en-US" dirty="0" smtClean="0"/>
+              <a:rPr lang="en-US" sz="2400" dirty="0" smtClean="0"/>
               <a:t>, need [Flags] attribute</a:t>
             </a:r>
           </a:p>
           <a:p>
             <a:pPr lvl="1"/>
             <a:r>
-              <a:rPr lang="en-US" sz="2600" dirty="0"/>
+              <a:rPr lang="en-US" sz="2400" dirty="0"/>
               <a:t>Attribute: metadata associated with a type, class, method, </a:t>
             </a:r>
             <a:r>
-              <a:rPr lang="en-US" sz="2600" dirty="0" err="1" smtClean="0"/>
+              <a:rPr lang="en-US" sz="2400" dirty="0" err="1" smtClean="0"/>
               <a:t>etc</a:t>
             </a:r>
-            <a:endParaRPr lang="en-US" sz="2600" dirty="0" smtClean="0"/>
+            <a:endParaRPr lang="en-US" sz="2400" dirty="0" smtClean="0"/>
           </a:p>
           <a:p>
             <a:pPr lvl="1"/>
             <a:r>
-              <a:rPr lang="en-US" sz="2600" dirty="0" smtClean="0"/>
+              <a:rPr lang="en-US" sz="2400" dirty="0" smtClean="0"/>
               <a:t>Without [Flags] attribute, various operations will fail</a:t>
             </a:r>
-            <a:endParaRPr lang="en-US" sz="2600" dirty="0"/>
+            <a:endParaRPr lang="en-US" sz="2400" dirty="0"/>
           </a:p>
         </p:txBody>
       </p:sp>
@@ -18348,6 +18538,13 @@
   <p:clrMapOvr>
     <a:masterClrMapping/>
   </p:clrMapOvr>
+  <p:timing>
+    <p:tnLst>
+      <p:par>
+        <p:cTn id="1" dur="indefinite" restart="never" nodeType="tmRoot"/>
+      </p:par>
+    </p:tnLst>
+  </p:timing>
 </p:sld>
 </file>
 

--- a/IAP-CSharp-Lecture-4.pptx
+++ b/IAP-CSharp-Lecture-4.pptx
@@ -15624,8 +15624,8 @@
         </p:nvSpPr>
         <p:spPr>
           <a:xfrm>
-            <a:off x="8965" y="2532995"/>
-            <a:ext cx="9144000" cy="3785652"/>
+            <a:off x="8965" y="2286000"/>
+            <a:ext cx="9144000" cy="4093428"/>
           </a:xfrm>
           <a:prstGeom prst="rect">
             <a:avLst/>
@@ -15644,10 +15644,45 @@
                 </a:solidFill>
                 <a:latin typeface="Consolas"/>
               </a:rPr>
+              <a:t>using</a:t>
+            </a:r>
+            <a:r>
+              <a:rPr lang="en-US" sz="2000" dirty="0">
+                <a:solidFill>
+                  <a:prstClr val="black"/>
+                </a:solidFill>
+                <a:latin typeface="Consolas"/>
+              </a:rPr>
+              <a:t> System</a:t>
+            </a:r>
+            <a:r>
+              <a:rPr lang="en-US" sz="2000" dirty="0" smtClean="0">
+                <a:solidFill>
+                  <a:prstClr val="black"/>
+                </a:solidFill>
+                <a:latin typeface="Consolas"/>
+              </a:rPr>
+              <a:t>;</a:t>
+            </a:r>
+            <a:endParaRPr lang="en-US" sz="2000" dirty="0" smtClean="0">
+              <a:solidFill>
+                <a:srgbClr val="0000FF"/>
+              </a:solidFill>
+              <a:latin typeface="Consolas"/>
+            </a:endParaRPr>
+          </a:p>
+          <a:p>
+            <a:r>
+              <a:rPr lang="en-US" sz="2000" dirty="0" smtClean="0">
+                <a:solidFill>
+                  <a:srgbClr val="0000FF"/>
+                </a:solidFill>
+                <a:latin typeface="Consolas"/>
+              </a:rPr>
               <a:t>static</a:t>
             </a:r>
             <a:r>
-              <a:rPr lang="en-US" sz="2000" dirty="0">
+              <a:rPr lang="en-US" sz="2000" dirty="0" smtClean="0">
                 <a:solidFill>
                   <a:prstClr val="black"/>
                 </a:solidFill>
@@ -16096,7 +16131,7 @@
           </a:p>
           <a:p>
             <a:r>
-              <a:rPr lang="en-US" sz="2000" dirty="0">
+              <a:rPr lang="en-US" sz="2000" b="1" dirty="0">
                 <a:solidFill>
                   <a:prstClr val="black"/>
                 </a:solidFill>
@@ -16107,7 +16142,7 @@
           </a:p>
           <a:p>
             <a:r>
-              <a:rPr lang="en-US" sz="2000" dirty="0">
+              <a:rPr lang="en-US" sz="2000" b="1" dirty="0">
                 <a:solidFill>
                   <a:prstClr val="black"/>
                 </a:solidFill>
@@ -16172,6 +16207,54 @@
               </a:solidFill>
               <a:latin typeface="Consolas"/>
             </a:endParaRPr>
+          </a:p>
+        </p:txBody>
+      </p:sp>
+      <p:sp>
+        <p:nvSpPr>
+          <p:cNvPr id="7" name="Content Placeholder 2"/>
+          <p:cNvSpPr>
+            <a:spLocks noGrp="1"/>
+          </p:cNvSpPr>
+          <p:nvPr>
+            <p:ph idx="1"/>
+          </p:nvPr>
+        </p:nvSpPr>
+        <p:spPr>
+          <a:xfrm>
+            <a:off x="0" y="1066800"/>
+            <a:ext cx="9233646" cy="5257800"/>
+          </a:xfrm>
+        </p:spPr>
+        <p:txBody>
+          <a:bodyPr/>
+          <a:lstStyle/>
+          <a:p>
+            <a:r>
+              <a:rPr lang="en-US" dirty="0" smtClean="0"/>
+              <a:t>Use </a:t>
+            </a:r>
+            <a:r>
+              <a:rPr lang="en-US" dirty="0" smtClean="0"/>
+              <a:t>“+=” (subscribe</a:t>
+            </a:r>
+            <a:r>
+              <a:rPr lang="en-US" dirty="0" smtClean="0"/>
+              <a:t>) to </a:t>
+            </a:r>
+            <a:r>
+              <a:rPr lang="en-US" dirty="0" smtClean="0"/>
+              <a:t>add </a:t>
+            </a:r>
+            <a:r>
+              <a:rPr lang="en-US" smtClean="0"/>
+              <a:t>methods to those </a:t>
+            </a:r>
+            <a:r>
+              <a:rPr lang="en-US" dirty="0" smtClean="0"/>
+              <a:t>to which the delegate will multicast to</a:t>
+            </a:r>
+            <a:endParaRPr lang="en-US" dirty="0"/>
           </a:p>
         </p:txBody>
       </p:sp>
@@ -16972,8 +17055,8 @@
         </p:nvSpPr>
         <p:spPr>
           <a:xfrm>
-            <a:off x="8965" y="2532995"/>
-            <a:ext cx="9144000" cy="4401205"/>
+            <a:off x="8965" y="2286000"/>
+            <a:ext cx="9144000" cy="4708981"/>
           </a:xfrm>
           <a:prstGeom prst="rect">
             <a:avLst/>
@@ -16992,10 +17075,45 @@
                 </a:solidFill>
                 <a:latin typeface="Consolas"/>
               </a:rPr>
+              <a:t>using</a:t>
+            </a:r>
+            <a:r>
+              <a:rPr lang="en-US" sz="2000" dirty="0">
+                <a:solidFill>
+                  <a:prstClr val="black"/>
+                </a:solidFill>
+                <a:latin typeface="Consolas"/>
+              </a:rPr>
+              <a:t> System</a:t>
+            </a:r>
+            <a:r>
+              <a:rPr lang="en-US" sz="2000" dirty="0" smtClean="0">
+                <a:solidFill>
+                  <a:prstClr val="black"/>
+                </a:solidFill>
+                <a:latin typeface="Consolas"/>
+              </a:rPr>
+              <a:t>;</a:t>
+            </a:r>
+            <a:endParaRPr lang="en-US" sz="2000" dirty="0" smtClean="0">
+              <a:solidFill>
+                <a:srgbClr val="0000FF"/>
+              </a:solidFill>
+              <a:latin typeface="Consolas"/>
+            </a:endParaRPr>
+          </a:p>
+          <a:p>
+            <a:r>
+              <a:rPr lang="en-US" sz="2000" dirty="0" smtClean="0">
+                <a:solidFill>
+                  <a:srgbClr val="0000FF"/>
+                </a:solidFill>
+                <a:latin typeface="Consolas"/>
+              </a:rPr>
               <a:t>static</a:t>
             </a:r>
             <a:r>
-              <a:rPr lang="en-US" sz="2000" dirty="0">
+              <a:rPr lang="en-US" sz="2000" dirty="0" smtClean="0">
                 <a:solidFill>
                   <a:prstClr val="black"/>
                 </a:solidFill>
@@ -17495,7 +17613,7 @@
           </a:p>
           <a:p>
             <a:r>
-              <a:rPr lang="en-US" sz="2000" dirty="0">
+              <a:rPr lang="en-US" sz="2000" b="1" dirty="0">
                 <a:solidFill>
                   <a:prstClr val="black"/>
                 </a:solidFill>
@@ -18609,7 +18727,7 @@
         <p:spPr>
           <a:xfrm>
             <a:off x="0" y="0"/>
-            <a:ext cx="9771529" cy="7294305"/>
+            <a:ext cx="9771529" cy="7301999"/>
           </a:xfrm>
           <a:prstGeom prst="rect">
             <a:avLst/>
@@ -18845,45 +18963,63 @@
           </a:p>
           <a:p>
             <a:r>
+              <a:rPr lang="en-US" sz="2000" dirty="0">
+                <a:solidFill>
+                  <a:srgbClr val="0000FF"/>
+                </a:solidFill>
+                <a:latin typeface="Consolas"/>
+              </a:rPr>
+              <a:t>class</a:t>
+            </a:r>
+            <a:r>
+              <a:rPr lang="en-US" sz="2000" dirty="0">
+                <a:solidFill>
+                  <a:prstClr val="black"/>
+                </a:solidFill>
+                <a:latin typeface="Consolas"/>
+              </a:rPr>
+              <a:t> </a:t>
+            </a:r>
+            <a:r>
+              <a:rPr lang="en-US" sz="2000" dirty="0">
+                <a:solidFill>
+                  <a:srgbClr val="2B91AF"/>
+                </a:solidFill>
+                <a:latin typeface="Consolas"/>
+              </a:rPr>
+              <a:t>Messenger</a:t>
+            </a:r>
+            <a:r>
+              <a:rPr lang="en-US" sz="2000" dirty="0">
+                <a:solidFill>
+                  <a:prstClr val="black"/>
+                </a:solidFill>
+                <a:latin typeface="Consolas"/>
+              </a:rPr>
+              <a:t> : </a:t>
+            </a:r>
+            <a:r>
+              <a:rPr lang="en-US" sz="2000" dirty="0" err="1" smtClean="0">
+                <a:solidFill>
+                  <a:srgbClr val="2B91AF"/>
+                </a:solidFill>
+                <a:latin typeface="Consolas"/>
+              </a:rPr>
+              <a:t>IMessenger</a:t>
+            </a:r>
+            <a:r>
               <a:rPr lang="en-US" sz="1950" dirty="0" smtClean="0">
                 <a:solidFill>
-                  <a:srgbClr val="0000FF"/>
-                </a:solidFill>
-                <a:latin typeface="Consolas"/>
-              </a:rPr>
-              <a:t>class</a:t>
-            </a:r>
+                  <a:prstClr val="black"/>
+                </a:solidFill>
+                <a:latin typeface="Consolas"/>
+              </a:rPr>
+              <a:t> {</a:t>
+            </a:r>
+          </a:p>
+          <a:p>
             <a:r>
               <a:rPr lang="en-US" sz="1950" dirty="0" smtClean="0">
-                <a:solidFill>
-                  <a:prstClr val="black"/>
-                </a:solidFill>
-                <a:latin typeface="Consolas"/>
-              </a:rPr>
-              <a:t> </a:t>
-            </a:r>
-            <a:r>
-              <a:rPr lang="en-US" sz="1950" dirty="0">
-                <a:solidFill>
-                  <a:srgbClr val="2B91AF"/>
-                </a:solidFill>
-                <a:latin typeface="Consolas"/>
-              </a:rPr>
-              <a:t>Messenger</a:t>
-            </a:r>
-            <a:r>
-              <a:rPr lang="en-US" sz="1950" dirty="0">
-                <a:solidFill>
-                  <a:prstClr val="black"/>
-                </a:solidFill>
-                <a:latin typeface="Consolas"/>
-              </a:rPr>
-              <a:t> {</a:t>
-            </a:r>
-          </a:p>
-          <a:p>
-            <a:r>
-              <a:rPr lang="en-US" sz="1950" dirty="0">
                 <a:solidFill>
                   <a:prstClr val="black"/>
                 </a:solidFill>
@@ -19625,6 +19761,13 @@
   <p:clrMapOvr>
     <a:masterClrMapping/>
   </p:clrMapOvr>
+  <p:timing>
+    <p:tnLst>
+      <p:par>
+        <p:cTn id="1" dur="indefinite" restart="never" nodeType="tmRoot"/>
+      </p:par>
+    </p:tnLst>
+  </p:timing>
 </p:sld>
 </file>
 
@@ -19790,6 +19933,13 @@
   <p:clrMapOvr>
     <a:masterClrMapping/>
   </p:clrMapOvr>
+  <p:timing>
+    <p:tnLst>
+      <p:par>
+        <p:cTn id="1" dur="indefinite" restart="never" nodeType="tmRoot"/>
+      </p:par>
+    </p:tnLst>
+  </p:timing>
 </p:sld>
 </file>
 

--- a/IAP-CSharp-Lecture-4.pptx
+++ b/IAP-CSharp-Lecture-4.pptx
@@ -16244,11 +16244,7 @@
             </a:r>
             <a:r>
               <a:rPr lang="en-US" dirty="0" smtClean="0"/>
-              <a:t>add </a:t>
-            </a:r>
-            <a:r>
-              <a:rPr lang="en-US" smtClean="0"/>
-              <a:t>methods to those </a:t>
+              <a:t>add methods to those </a:t>
             </a:r>
             <a:r>
               <a:rPr lang="en-US" dirty="0" smtClean="0"/>
@@ -20603,6 +20599,13 @@
   <p:clrMapOvr>
     <a:masterClrMapping/>
   </p:clrMapOvr>
+  <p:timing>
+    <p:tnLst>
+      <p:par>
+        <p:cTn id="1" dur="indefinite" restart="never" nodeType="tmRoot"/>
+      </p:par>
+    </p:tnLst>
+  </p:timing>
 </p:sld>
 </file>
 
@@ -21271,6 +21274,13 @@
   <p:clrMapOvr>
     <a:masterClrMapping/>
   </p:clrMapOvr>
+  <p:timing>
+    <p:tnLst>
+      <p:par>
+        <p:cTn id="1" dur="indefinite" restart="never" nodeType="tmRoot"/>
+      </p:par>
+    </p:tnLst>
+  </p:timing>
 </p:sld>
 </file>
 
@@ -21926,6 +21936,13 @@
   <p:clrMapOvr>
     <a:masterClrMapping/>
   </p:clrMapOvr>
+  <p:timing>
+    <p:tnLst>
+      <p:par>
+        <p:cTn id="1" dur="indefinite" restart="never" nodeType="tmRoot"/>
+      </p:par>
+    </p:tnLst>
+  </p:timing>
 </p:sld>
 </file>
 
@@ -22581,6 +22598,13 @@
   <p:clrMapOvr>
     <a:masterClrMapping/>
   </p:clrMapOvr>
+  <p:timing>
+    <p:tnLst>
+      <p:par>
+        <p:cTn id="1" dur="indefinite" restart="never" nodeType="tmRoot"/>
+      </p:par>
+    </p:tnLst>
+  </p:timing>
 </p:sld>
 </file>
 
@@ -23236,6 +23260,13 @@
   <p:clrMapOvr>
     <a:masterClrMapping/>
   </p:clrMapOvr>
+  <p:timing>
+    <p:tnLst>
+      <p:par>
+        <p:cTn id="1" dur="indefinite" restart="never" nodeType="tmRoot"/>
+      </p:par>
+    </p:tnLst>
+  </p:timing>
 </p:sld>
 </file>
 
@@ -24869,6 +24900,13 @@
   <p:clrMapOvr>
     <a:masterClrMapping/>
   </p:clrMapOvr>
+  <p:timing>
+    <p:tnLst>
+      <p:par>
+        <p:cTn id="1" dur="indefinite" restart="never" nodeType="tmRoot"/>
+      </p:par>
+    </p:tnLst>
+  </p:timing>
 </p:sld>
 </file>
 
@@ -25759,6 +25797,13 @@
   <p:clrMapOvr>
     <a:masterClrMapping/>
   </p:clrMapOvr>
+  <p:timing>
+    <p:tnLst>
+      <p:par>
+        <p:cTn id="1" dur="indefinite" restart="never" nodeType="tmRoot"/>
+      </p:par>
+    </p:tnLst>
+  </p:timing>
 </p:sld>
 </file>
 
@@ -26081,6 +26126,13 @@
   <p:clrMapOvr>
     <a:masterClrMapping/>
   </p:clrMapOvr>
+  <p:timing>
+    <p:tnLst>
+      <p:par>
+        <p:cTn id="1" dur="indefinite" restart="never" nodeType="tmRoot"/>
+      </p:par>
+    </p:tnLst>
+  </p:timing>
 </p:sld>
 </file>
 
@@ -27068,6 +27120,13 @@
   <p:clrMapOvr>
     <a:masterClrMapping/>
   </p:clrMapOvr>
+  <p:timing>
+    <p:tnLst>
+      <p:par>
+        <p:cTn id="1" dur="indefinite" restart="never" nodeType="tmRoot"/>
+      </p:par>
+    </p:tnLst>
+  </p:timing>
 </p:sld>
 </file>
 
@@ -28013,6 +28072,13 @@
   <p:clrMapOvr>
     <a:masterClrMapping/>
   </p:clrMapOvr>
+  <p:timing>
+    <p:tnLst>
+      <p:par>
+        <p:cTn id="1" dur="indefinite" restart="never" nodeType="tmRoot"/>
+      </p:par>
+    </p:tnLst>
+  </p:timing>
 </p:sld>
 </file>
 
@@ -28932,6 +28998,13 @@
   <p:clrMapOvr>
     <a:masterClrMapping/>
   </p:clrMapOvr>
+  <p:timing>
+    <p:tnLst>
+      <p:par>
+        <p:cTn id="1" dur="indefinite" restart="never" nodeType="tmRoot"/>
+      </p:par>
+    </p:tnLst>
+  </p:timing>
 </p:sld>
 </file>
 
@@ -29940,6 +30013,13 @@
   <p:clrMapOvr>
     <a:masterClrMapping/>
   </p:clrMapOvr>
+  <p:timing>
+    <p:tnLst>
+      <p:par>
+        <p:cTn id="1" dur="indefinite" restart="never" nodeType="tmRoot"/>
+      </p:par>
+    </p:tnLst>
+  </p:timing>
 </p:sld>
 </file>
 
@@ -31177,6 +31257,13 @@
   <p:clrMapOvr>
     <a:masterClrMapping/>
   </p:clrMapOvr>
+  <p:timing>
+    <p:tnLst>
+      <p:par>
+        <p:cTn id="1" dur="indefinite" restart="never" nodeType="tmRoot"/>
+      </p:par>
+    </p:tnLst>
+  </p:timing>
 </p:sld>
 </file>
 
@@ -31873,7 +31960,7 @@
               <a:t>            </a:t>
             </a:r>
             <a:r>
-              <a:rPr lang="en-US" dirty="0" err="1">
+              <a:rPr lang="en-US" b="1" dirty="0" err="1">
                 <a:solidFill>
                   <a:srgbClr val="2B91AF"/>
                 </a:solidFill>
@@ -31882,7 +31969,7 @@
               <a:t>ModifierKeys</a:t>
             </a:r>
             <a:r>
-              <a:rPr lang="en-US" dirty="0">
+              <a:rPr lang="en-US" b="1" dirty="0">
                 <a:solidFill>
                   <a:prstClr val="black"/>
                 </a:solidFill>
@@ -31891,7 +31978,7 @@
               <a:t> mod = </a:t>
             </a:r>
             <a:r>
-              <a:rPr lang="en-US" dirty="0" err="1">
+              <a:rPr lang="en-US" b="1" dirty="0" err="1">
                 <a:solidFill>
                   <a:prstClr val="black"/>
                 </a:solidFill>
@@ -31900,7 +31987,7 @@
               <a:t>e.KeyboardDevice.Modifiers</a:t>
             </a:r>
             <a:r>
-              <a:rPr lang="en-US" dirty="0">
+              <a:rPr lang="en-US" b="1" dirty="0">
                 <a:solidFill>
                   <a:prstClr val="black"/>
                 </a:solidFill>
@@ -31911,7 +31998,7 @@
           </a:p>
           <a:p>
             <a:r>
-              <a:rPr lang="en-US" dirty="0">
+              <a:rPr lang="en-US" b="1" dirty="0">
                 <a:solidFill>
                   <a:prstClr val="black"/>
                 </a:solidFill>
@@ -31920,7 +32007,7 @@
               <a:t>            </a:t>
             </a:r>
             <a:r>
-              <a:rPr lang="en-US" dirty="0">
+              <a:rPr lang="en-US" b="1" dirty="0">
                 <a:solidFill>
                   <a:srgbClr val="0000FF"/>
                 </a:solidFill>
@@ -31929,7 +32016,7 @@
               <a:t>if</a:t>
             </a:r>
             <a:r>
-              <a:rPr lang="en-US" dirty="0">
+              <a:rPr lang="en-US" b="1" dirty="0">
                 <a:solidFill>
                   <a:prstClr val="black"/>
                 </a:solidFill>
@@ -31938,7 +32025,7 @@
               <a:t> (</a:t>
             </a:r>
             <a:r>
-              <a:rPr lang="en-US" dirty="0" err="1">
+              <a:rPr lang="en-US" b="1" dirty="0" err="1">
                 <a:solidFill>
                   <a:prstClr val="black"/>
                 </a:solidFill>
@@ -31947,7 +32034,7 @@
               <a:t>mod.HasFlag</a:t>
             </a:r>
             <a:r>
-              <a:rPr lang="en-US" dirty="0">
+              <a:rPr lang="en-US" b="1" dirty="0">
                 <a:solidFill>
                   <a:prstClr val="black"/>
                 </a:solidFill>
@@ -31956,7 +32043,7 @@
               <a:t>(</a:t>
             </a:r>
             <a:r>
-              <a:rPr lang="en-US" dirty="0" err="1">
+              <a:rPr lang="en-US" b="1" dirty="0" err="1">
                 <a:solidFill>
                   <a:srgbClr val="2B91AF"/>
                 </a:solidFill>
@@ -31965,7 +32052,7 @@
               <a:t>ModifierKeys</a:t>
             </a:r>
             <a:r>
-              <a:rPr lang="en-US" dirty="0" err="1">
+              <a:rPr lang="en-US" b="1" dirty="0" err="1">
                 <a:solidFill>
                   <a:prstClr val="black"/>
                 </a:solidFill>
@@ -31974,7 +32061,7 @@
               <a:t>.Control</a:t>
             </a:r>
             <a:r>
-              <a:rPr lang="en-US" dirty="0">
+              <a:rPr lang="en-US" b="1" dirty="0">
                 <a:solidFill>
                   <a:prstClr val="black"/>
                 </a:solidFill>
@@ -31985,7 +32072,7 @@
           </a:p>
           <a:p>
             <a:r>
-              <a:rPr lang="en-US" dirty="0">
+              <a:rPr lang="en-US" b="1" dirty="0">
                 <a:solidFill>
                   <a:prstClr val="black"/>
                 </a:solidFill>
@@ -31994,7 +32081,7 @@
               <a:t>                </a:t>
             </a:r>
             <a:r>
-              <a:rPr lang="en-US" dirty="0" err="1">
+              <a:rPr lang="en-US" b="1" dirty="0" err="1">
                 <a:solidFill>
                   <a:prstClr val="black"/>
                 </a:solidFill>
@@ -32003,7 +32090,7 @@
               <a:t>e.Key</a:t>
             </a:r>
             <a:r>
-              <a:rPr lang="en-US" dirty="0">
+              <a:rPr lang="en-US" b="1" dirty="0">
                 <a:solidFill>
                   <a:prstClr val="black"/>
                 </a:solidFill>
@@ -32012,7 +32099,7 @@
               <a:t> == </a:t>
             </a:r>
             <a:r>
-              <a:rPr lang="en-US" dirty="0" err="1" smtClean="0">
+              <a:rPr lang="en-US" b="1" dirty="0" err="1" smtClean="0">
                 <a:solidFill>
                   <a:srgbClr val="2B91AF"/>
                 </a:solidFill>
@@ -32021,7 +32108,7 @@
               <a:t>Key</a:t>
             </a:r>
             <a:r>
-              <a:rPr lang="en-US" dirty="0" err="1" smtClean="0">
+              <a:rPr lang="en-US" b="1" dirty="0" err="1" smtClean="0">
                 <a:solidFill>
                   <a:prstClr val="black"/>
                 </a:solidFill>
@@ -32345,6 +32432,13 @@
   <p:clrMapOvr>
     <a:masterClrMapping/>
   </p:clrMapOvr>
+  <p:timing>
+    <p:tnLst>
+      <p:par>
+        <p:cTn id="1" dur="indefinite" restart="never" nodeType="tmRoot"/>
+      </p:par>
+    </p:tnLst>
+  </p:timing>
 </p:sld>
 </file>
 
@@ -32961,7 +33055,7 @@
               <a:t>        </a:t>
             </a:r>
             <a:r>
-              <a:rPr lang="en-US" dirty="0" err="1" smtClean="0">
+              <a:rPr lang="en-US" b="1" dirty="0" err="1" smtClean="0">
                 <a:solidFill>
                   <a:prstClr val="black"/>
                 </a:solidFill>
@@ -33538,6 +33632,13 @@
   <p:clrMapOvr>
     <a:masterClrMapping/>
   </p:clrMapOvr>
+  <p:timing>
+    <p:tnLst>
+      <p:par>
+        <p:cTn id="1" dur="indefinite" restart="never" nodeType="tmRoot"/>
+      </p:par>
+    </p:tnLst>
+  </p:timing>
 </p:sld>
 </file>
 
@@ -35464,7 +35565,7 @@
           </a:p>
           <a:p>
             <a:r>
-              <a:rPr lang="en-US" dirty="0">
+              <a:rPr lang="en-US" b="1" dirty="0">
                 <a:solidFill>
                   <a:prstClr val="black"/>
                 </a:solidFill>
@@ -35473,7 +35574,7 @@
               <a:t> </a:t>
             </a:r>
             <a:r>
-              <a:rPr lang="en-US" dirty="0" smtClean="0">
+              <a:rPr lang="en-US" b="1" dirty="0" smtClean="0">
                 <a:solidFill>
                   <a:prstClr val="black"/>
                 </a:solidFill>
@@ -35482,25 +35583,25 @@
               <a:t>                   </a:t>
             </a:r>
             <a:r>
-              <a:rPr lang="en-US" dirty="0" err="1" smtClean="0">
+              <a:rPr lang="en-US" b="1" dirty="0" err="1" smtClean="0">
                 <a:latin typeface="Consolas"/>
               </a:rPr>
               <a:t>e.Handled</a:t>
             </a:r>
             <a:r>
-              <a:rPr lang="en-US" dirty="0" smtClean="0">
+              <a:rPr lang="en-US" b="1" dirty="0" smtClean="0">
                 <a:latin typeface="Consolas"/>
               </a:rPr>
               <a:t> </a:t>
             </a:r>
             <a:r>
-              <a:rPr lang="en-US" dirty="0">
+              <a:rPr lang="en-US" b="1" dirty="0">
                 <a:latin typeface="Consolas"/>
               </a:rPr>
               <a:t>= </a:t>
             </a:r>
             <a:r>
-              <a:rPr lang="en-US" dirty="0">
+              <a:rPr lang="en-US" b="1" dirty="0">
                 <a:solidFill>
                   <a:srgbClr val="0000FF"/>
                 </a:solidFill>
@@ -35509,7 +35610,7 @@
               <a:t>true</a:t>
             </a:r>
             <a:r>
-              <a:rPr lang="en-US" dirty="0" smtClean="0">
+              <a:rPr lang="en-US" b="1" dirty="0" smtClean="0">
                 <a:solidFill>
                   <a:prstClr val="black"/>
                 </a:solidFill>
@@ -35517,7 +35618,7 @@
               </a:rPr>
               <a:t>;</a:t>
             </a:r>
-            <a:endParaRPr lang="en-US" dirty="0">
+            <a:endParaRPr lang="en-US" b="1" dirty="0">
               <a:solidFill>
                 <a:prstClr val="black"/>
               </a:solidFill>
@@ -35788,6 +35889,13 @@
   <p:clrMapOvr>
     <a:masterClrMapping/>
   </p:clrMapOvr>
+  <p:timing>
+    <p:tnLst>
+      <p:par>
+        <p:cTn id="1" dur="indefinite" restart="never" nodeType="tmRoot"/>
+      </p:par>
+    </p:tnLst>
+  </p:timing>
 </p:sld>
 </file>
 
@@ -36803,6 +36911,13 @@
   <p:clrMapOvr>
     <a:masterClrMapping/>
   </p:clrMapOvr>
+  <p:timing>
+    <p:tnLst>
+      <p:par>
+        <p:cTn id="1" dur="indefinite" restart="never" nodeType="tmRoot"/>
+      </p:par>
+    </p:tnLst>
+  </p:timing>
 </p:sld>
 </file>
 
@@ -37887,6 +38002,13 @@
   <p:clrMapOvr>
     <a:masterClrMapping/>
   </p:clrMapOvr>
+  <p:timing>
+    <p:tnLst>
+      <p:par>
+        <p:cTn id="1" dur="indefinite" restart="never" nodeType="tmRoot"/>
+      </p:par>
+    </p:tnLst>
+  </p:timing>
 </p:sld>
 </file>
 
@@ -39171,6 +39293,13 @@
   <p:clrMapOvr>
     <a:masterClrMapping/>
   </p:clrMapOvr>
+  <p:timing>
+    <p:tnLst>
+      <p:par>
+        <p:cTn id="1" dur="indefinite" restart="never" nodeType="tmRoot"/>
+      </p:par>
+    </p:tnLst>
+  </p:timing>
 </p:sld>
 </file>
 
